--- a/flash.pptx
+++ b/flash.pptx
@@ -3389,11 +3389,11 @@
           <a:lstStyle/>
           <a:p>
             <a:r>
-              <a:rPr lang="en-US" altLang="zh-CN"/>
+              <a:rPr lang="en-US" altLang="zh-CN" dirty="0"/>
               <a:t>flash </a:t>
             </a:r>
             <a:r>
-              <a:rPr lang="zh-CN" altLang="en-US"/>
+              <a:rPr lang="zh-CN" altLang="en-US" dirty="0"/>
               <a:t>语法讲解</a:t>
             </a:r>
           </a:p>
@@ -3428,6 +3428,13 @@
   <p:clrMapOvr>
     <a:masterClrMapping/>
   </p:clrMapOvr>
+  <p:timing>
+    <p:tnLst>
+      <p:par>
+        <p:cTn id="1" dur="indefinite" restart="never" nodeType="tmRoot"/>
+      </p:par>
+    </p:tnLst>
+  </p:timing>
 </p:sld>
 </file>
 
@@ -3500,15 +3507,7 @@
             </a:r>
             <a:r>
               <a:rPr lang="zh-CN" altLang="zh-CN" dirty="0" smtClean="0"/>
-              <a:t>写</a:t>
-            </a:r>
-            <a:r>
-              <a:rPr lang="zh-CN" altLang="zh-CN" dirty="0" smtClean="0"/>
-              <a:t>一个程序，打印出1 到100 间的整数</a:t>
-            </a:r>
-            <a:r>
-              <a:rPr lang="zh-CN" altLang="zh-CN" dirty="0" smtClean="0"/>
-              <a:t>。</a:t>
+              <a:t>写一个程序，打印出1 到100 间的整数。</a:t>
             </a:r>
             <a:endParaRPr lang="en-US" altLang="zh-CN" dirty="0" smtClean="0"/>
           </a:p>
@@ -3671,11 +3670,7 @@
           <a:p>
             <a:r>
               <a:rPr lang="en-US" altLang="zh-CN" dirty="0" smtClean="0"/>
-              <a:t> </a:t>
-            </a:r>
-            <a:r>
-              <a:rPr lang="en-US" altLang="zh-CN" dirty="0" smtClean="0"/>
-              <a:t>3.</a:t>
+              <a:t> 3.</a:t>
             </a:r>
             <a:r>
               <a:rPr lang="zh-CN" altLang="en-US" dirty="0" smtClean="0"/>
@@ -3701,6 +3696,13 @@
   <p:clrMapOvr>
     <a:masterClrMapping/>
   </p:clrMapOvr>
+  <p:timing>
+    <p:tnLst>
+      <p:par>
+        <p:cTn id="1" dur="indefinite" restart="never" nodeType="tmRoot"/>
+      </p:par>
+    </p:tnLst>
+  </p:timing>
 </p:sld>
 </file>
 
@@ -3756,9 +3758,15 @@
         </p:nvSpPr>
         <p:spPr/>
         <p:txBody>
-          <a:bodyPr/>
-          <a:lstStyle/>
-          <a:p>
+          <a:bodyPr>
+            <a:normAutofit lnSpcReduction="10000"/>
+          </a:bodyPr>
+          <a:lstStyle/>
+          <a:p>
+            <a:r>
+              <a:rPr lang="zh-CN" altLang="en-US" dirty="0" smtClean="0"/>
+              <a:t>变量类型：</a:t>
+            </a:r>
             <a:r>
               <a:rPr lang="en-US" altLang="zh-CN" dirty="0" err="1" smtClean="0"/>
               <a:t>int</a:t>
@@ -3781,13 +3789,62 @@
             </a:r>
             <a:r>
               <a:rPr lang="en-US" altLang="zh-CN" dirty="0" smtClean="0"/>
-              <a:t>String, Boolean</a:t>
-            </a:r>
+              <a:t>String, </a:t>
+            </a:r>
+            <a:r>
+              <a:rPr lang="en-US" altLang="zh-CN" dirty="0" smtClean="0"/>
+              <a:t>Boolean(</a:t>
+            </a:r>
+            <a:r>
+              <a:rPr lang="en-US" altLang="zh-CN" dirty="0" err="1" smtClean="0"/>
+              <a:t>true,false</a:t>
+            </a:r>
+            <a:r>
+              <a:rPr lang="en-US" altLang="zh-CN" dirty="0" smtClean="0"/>
+              <a:t>);</a:t>
+            </a:r>
+            <a:endParaRPr lang="en-US" altLang="zh-CN" dirty="0" smtClean="0"/>
           </a:p>
           <a:p>
             <a:r>
               <a:rPr lang="zh-CN" altLang="en-US" dirty="0" smtClean="0"/>
-              <a:t>如下：</a:t>
+              <a:t>规则：</a:t>
+            </a:r>
+            <a:r>
+              <a:rPr lang="en-US" altLang="zh-CN" dirty="0" err="1" smtClean="0"/>
+              <a:t>var</a:t>
+            </a:r>
+            <a:r>
+              <a:rPr lang="en-US" altLang="zh-CN" dirty="0" smtClean="0"/>
+              <a:t>  </a:t>
+            </a:r>
+            <a:r>
+              <a:rPr lang="zh-CN" altLang="en-US" dirty="0" smtClean="0"/>
+              <a:t>变量名字</a:t>
+            </a:r>
+            <a:r>
+              <a:rPr lang="en-US" altLang="zh-CN" dirty="0" smtClean="0"/>
+              <a:t>:</a:t>
+            </a:r>
+            <a:r>
+              <a:rPr lang="zh-CN" altLang="en-US" dirty="0" smtClean="0"/>
+              <a:t>变量类型</a:t>
+            </a:r>
+            <a:r>
+              <a:rPr lang="en-US" altLang="zh-CN" dirty="0" smtClean="0"/>
+              <a:t>=</a:t>
+            </a:r>
+            <a:r>
+              <a:rPr lang="zh-CN" altLang="en-US" dirty="0" smtClean="0"/>
+              <a:t>值</a:t>
+            </a:r>
+            <a:r>
+              <a:rPr lang="en-US" altLang="zh-CN" dirty="0" smtClean="0"/>
+              <a:t>;</a:t>
+            </a:r>
+            <a:r>
+              <a:rPr lang="zh-CN" altLang="en-US" dirty="0" smtClean="0"/>
+              <a:t>如：</a:t>
             </a:r>
             <a:endParaRPr lang="en-US" altLang="zh-CN" dirty="0" smtClean="0"/>
           </a:p>
@@ -3886,11 +3943,7 @@
             </a:r>
             <a:r>
               <a:rPr lang="en-US" altLang="zh-CN" dirty="0" smtClean="0"/>
-              <a:t> </a:t>
-            </a:r>
-            <a:r>
-              <a:rPr lang="en-US" altLang="zh-CN" dirty="0" smtClean="0"/>
-              <a:t>,/</a:t>
+              <a:t> ,/</a:t>
             </a:r>
           </a:p>
           <a:p>
@@ -3907,7 +3960,7 @@
               <a:t> </a:t>
             </a:r>
             <a:r>
-              <a:rPr lang="en-US" altLang="zh-CN" smtClean="0"/>
+              <a:rPr lang="en-US" altLang="zh-CN" dirty="0" smtClean="0"/>
               <a:t>;</a:t>
             </a:r>
             <a:endParaRPr lang="zh-CN" altLang="en-US" dirty="0"/>
@@ -3919,6 +3972,13 @@
   <p:clrMapOvr>
     <a:masterClrMapping/>
   </p:clrMapOvr>
+  <p:timing>
+    <p:tnLst>
+      <p:par>
+        <p:cTn id="1" dur="indefinite" restart="never" nodeType="tmRoot"/>
+      </p:par>
+    </p:tnLst>
+  </p:timing>
 </p:sld>
 </file>
 
@@ -4005,6 +4065,13 @@
   <p:clrMapOvr>
     <a:masterClrMapping/>
   </p:clrMapOvr>
+  <p:timing>
+    <p:tnLst>
+      <p:par>
+        <p:cTn id="1" dur="indefinite" restart="never" nodeType="tmRoot"/>
+      </p:par>
+    </p:tnLst>
+  </p:timing>
 </p:sld>
 </file>
 
@@ -4101,6 +4168,13 @@
   <p:clrMapOvr>
     <a:masterClrMapping/>
   </p:clrMapOvr>
+  <p:timing>
+    <p:tnLst>
+      <p:par>
+        <p:cTn id="1" dur="indefinite" restart="never" nodeType="tmRoot"/>
+      </p:par>
+    </p:tnLst>
+  </p:timing>
 </p:sld>
 </file>
 
@@ -4198,6 +4272,13 @@
   <p:clrMapOvr>
     <a:masterClrMapping/>
   </p:clrMapOvr>
+  <p:timing>
+    <p:tnLst>
+      <p:par>
+        <p:cTn id="1" dur="indefinite" restart="never" nodeType="tmRoot"/>
+      </p:par>
+    </p:tnLst>
+  </p:timing>
 </p:sld>
 </file>
 
@@ -4290,6 +4371,13 @@
   <p:clrMapOvr>
     <a:masterClrMapping/>
   </p:clrMapOvr>
+  <p:timing>
+    <p:tnLst>
+      <p:par>
+        <p:cTn id="1" dur="indefinite" restart="never" nodeType="tmRoot"/>
+      </p:par>
+    </p:tnLst>
+  </p:timing>
 </p:sld>
 </file>
 

--- a/flash.pptx
+++ b/flash.pptx
@@ -3507,7 +3507,23 @@
             </a:r>
             <a:r>
               <a:rPr lang="zh-CN" altLang="zh-CN" dirty="0" smtClean="0"/>
-              <a:t>写一个程序，打印出1 到100 间的整数。</a:t>
+              <a:t>写一个程序，打印出1 到100 间</a:t>
+            </a:r>
+            <a:r>
+              <a:rPr lang="zh-CN" altLang="zh-CN" smtClean="0"/>
+              <a:t>的</a:t>
+            </a:r>
+            <a:r>
+              <a:rPr lang="zh-CN" altLang="zh-CN" smtClean="0"/>
+              <a:t>整数</a:t>
+            </a:r>
+            <a:r>
+              <a:rPr lang="zh-CN" altLang="en-US" smtClean="0"/>
+              <a:t>，每个数占一行</a:t>
+            </a:r>
+            <a:r>
+              <a:rPr lang="zh-CN" altLang="zh-CN" smtClean="0"/>
+              <a:t>。</a:t>
             </a:r>
             <a:endParaRPr lang="en-US" altLang="zh-CN" dirty="0" smtClean="0"/>
           </a:p>
@@ -3877,11 +3893,15 @@
             </a:r>
             <a:r>
               <a:rPr lang="en-US" altLang="zh-CN" dirty="0" err="1" smtClean="0"/>
-              <a:t>myNumber</a:t>
+              <a:t>my:Number</a:t>
             </a:r>
             <a:r>
               <a:rPr lang="en-US" altLang="zh-CN" dirty="0" smtClean="0"/>
-              <a:t> = 7.5;</a:t>
+              <a:t> </a:t>
+            </a:r>
+            <a:r>
+              <a:rPr lang="en-US" altLang="zh-CN" dirty="0" smtClean="0"/>
+              <a:t>= 7.5;</a:t>
             </a:r>
           </a:p>
           <a:p>
@@ -3895,11 +3915,15 @@
             </a:r>
             <a:r>
               <a:rPr lang="en-US" altLang="zh-CN" dirty="0" err="1" smtClean="0"/>
-              <a:t>myString</a:t>
+              <a:t>my:String</a:t>
             </a:r>
             <a:r>
               <a:rPr lang="en-US" altLang="zh-CN" dirty="0" smtClean="0"/>
-              <a:t> = “hello”;</a:t>
+              <a:t> </a:t>
+            </a:r>
+            <a:r>
+              <a:rPr lang="en-US" altLang="zh-CN" dirty="0" smtClean="0"/>
+              <a:t>= “hello”;</a:t>
             </a:r>
           </a:p>
           <a:p>
@@ -3913,11 +3937,15 @@
             </a:r>
             <a:r>
               <a:rPr lang="en-US" altLang="zh-CN" dirty="0" err="1" smtClean="0"/>
-              <a:t>myBoolean</a:t>
+              <a:t>my:Boolean</a:t>
             </a:r>
             <a:r>
               <a:rPr lang="en-US" altLang="zh-CN" dirty="0" smtClean="0"/>
-              <a:t> = true;</a:t>
+              <a:t> </a:t>
+            </a:r>
+            <a:r>
+              <a:rPr lang="en-US" altLang="zh-CN" dirty="0" smtClean="0"/>
+              <a:t>= true;</a:t>
             </a:r>
           </a:p>
           <a:p>
@@ -4032,7 +4060,12 @@
             <p:ph idx="1"/>
           </p:nvPr>
         </p:nvSpPr>
-        <p:spPr/>
+        <p:spPr>
+          <a:xfrm>
+            <a:off x="628650" y="1836776"/>
+            <a:ext cx="7886700" cy="4351338"/>
+          </a:xfrm>
+        </p:spPr>
         <p:txBody>
           <a:bodyPr/>
           <a:lstStyle/>
@@ -4051,6 +4084,21 @@
             <a:r>
               <a:rPr lang="en-US" altLang="zh-CN" dirty="0" smtClean="0"/>
               <a:t> If…else… </a:t>
+            </a:r>
+            <a:r>
+              <a:rPr lang="zh-CN" altLang="en-US" dirty="0" smtClean="0"/>
+              <a:t>语句</a:t>
+            </a:r>
+            <a:endParaRPr lang="en-US" altLang="zh-CN" dirty="0" smtClean="0"/>
+          </a:p>
+          <a:p>
+            <a:r>
+              <a:rPr lang="en-US" altLang="zh-CN" dirty="0" smtClean="0"/>
+              <a:t> </a:t>
+            </a:r>
+            <a:r>
+              <a:rPr lang="en-US" altLang="zh-CN" dirty="0" smtClean="0"/>
+              <a:t>switch </a:t>
             </a:r>
             <a:r>
               <a:rPr lang="zh-CN" altLang="en-US" dirty="0" smtClean="0"/>
@@ -4486,6 +4534,13 @@
   <p:clrMapOvr>
     <a:masterClrMapping/>
   </p:clrMapOvr>
+  <p:timing>
+    <p:tnLst>
+      <p:par>
+        <p:cTn id="1" dur="indefinite" restart="never" nodeType="tmRoot"/>
+      </p:par>
+    </p:tnLst>
+  </p:timing>
 </p:sld>
 </file>
 
@@ -4547,117 +4602,117 @@
           <a:lstStyle/>
           <a:p>
             <a:r>
-              <a:rPr lang="zh-CN" altLang="en-US" sz="2500" dirty="0"/>
+              <a:rPr lang="zh-CN" altLang="en-US" sz="2500" dirty="0" smtClean="0"/>
               <a:t>进入循环</a:t>
             </a:r>
-            <a:endParaRPr lang="zh-CN" sz="2500" dirty="0"/>
-          </a:p>
-          <a:p>
-            <a:r>
-              <a:rPr lang="en-US" altLang="zh-CN" sz="2500" dirty="0"/>
+            <a:endParaRPr lang="zh-CN" sz="2500" dirty="0" smtClean="0"/>
+          </a:p>
+          <a:p>
+            <a:r>
+              <a:rPr lang="en-US" altLang="zh-CN" sz="2500" dirty="0" smtClean="0"/>
               <a:t> </a:t>
             </a:r>
             <a:r>
-              <a:rPr lang="zh-CN" altLang="en-US" sz="2500" dirty="0"/>
+              <a:rPr lang="zh-CN" altLang="en-US" sz="2500" dirty="0" smtClean="0"/>
               <a:t>只从一个地方进入</a:t>
             </a:r>
-            <a:endParaRPr lang="zh-CN" sz="2500" dirty="0"/>
-          </a:p>
-          <a:p>
-            <a:r>
-              <a:rPr lang="en-US" altLang="zh-CN" sz="2500" dirty="0"/>
+            <a:endParaRPr lang="zh-CN" sz="2500" dirty="0" smtClean="0"/>
+          </a:p>
+          <a:p>
+            <a:r>
+              <a:rPr lang="en-US" altLang="zh-CN" sz="2500" dirty="0" smtClean="0"/>
               <a:t> </a:t>
             </a:r>
             <a:r>
-              <a:rPr lang="zh-CN" altLang="en-US" sz="2500" dirty="0"/>
+              <a:rPr lang="zh-CN" altLang="en-US" sz="2500" dirty="0" smtClean="0"/>
               <a:t>初始化放在循环前</a:t>
             </a:r>
-            <a:endParaRPr lang="zh-CN" sz="2500" dirty="0"/>
-          </a:p>
-          <a:p>
-            <a:r>
-              <a:rPr lang="en-US" altLang="zh-CN" sz="2500" dirty="0"/>
+            <a:endParaRPr lang="zh-CN" sz="2500" dirty="0" smtClean="0"/>
+          </a:p>
+          <a:p>
+            <a:r>
+              <a:rPr lang="en-US" altLang="zh-CN" sz="2500" dirty="0" smtClean="0"/>
               <a:t> while</a:t>
             </a:r>
             <a:r>
-              <a:rPr lang="zh-CN" altLang="en-US" sz="2500" dirty="0"/>
+              <a:rPr lang="zh-CN" altLang="en-US" sz="2500" dirty="0" smtClean="0"/>
               <a:t>（</a:t>
             </a:r>
             <a:r>
-              <a:rPr lang="en-US" altLang="zh-CN" sz="2500" dirty="0"/>
+              <a:rPr lang="en-US" altLang="zh-CN" sz="2500" dirty="0" smtClean="0"/>
               <a:t>true</a:t>
             </a:r>
             <a:r>
-              <a:rPr lang="zh-CN" altLang="en-US" sz="2500" dirty="0"/>
+              <a:rPr lang="zh-CN" altLang="en-US" sz="2500" dirty="0" smtClean="0"/>
               <a:t>）表示无限循环</a:t>
             </a:r>
-            <a:endParaRPr lang="zh-CN" sz="2500" dirty="0"/>
-          </a:p>
-          <a:p>
-            <a:r>
-              <a:rPr lang="en-US" altLang="zh-CN" sz="2500" dirty="0"/>
+            <a:endParaRPr lang="zh-CN" sz="2500" dirty="0" smtClean="0"/>
+          </a:p>
+          <a:p>
+            <a:r>
+              <a:rPr lang="en-US" altLang="zh-CN" sz="2500" dirty="0" smtClean="0"/>
               <a:t> </a:t>
             </a:r>
             <a:r>
-              <a:rPr lang="zh-CN" altLang="en-US" sz="2500" dirty="0"/>
+              <a:rPr lang="zh-CN" altLang="en-US" sz="2500" dirty="0" smtClean="0"/>
               <a:t>在适当的情况下多用</a:t>
             </a:r>
             <a:r>
-              <a:rPr lang="en-US" altLang="zh-CN" sz="2500" dirty="0"/>
+              <a:rPr lang="en-US" altLang="zh-CN" sz="2500" dirty="0" smtClean="0"/>
               <a:t>for</a:t>
             </a:r>
             <a:r>
-              <a:rPr lang="zh-CN" altLang="en-US" sz="2500" dirty="0"/>
+              <a:rPr lang="zh-CN" altLang="en-US" sz="2500" dirty="0" smtClean="0"/>
               <a:t>循环</a:t>
             </a:r>
-            <a:endParaRPr lang="zh-CN" sz="2500" dirty="0"/>
-          </a:p>
-          <a:p>
-            <a:r>
-              <a:rPr lang="zh-CN" altLang="en-US" sz="2500" dirty="0"/>
+            <a:endParaRPr lang="zh-CN" sz="2500" dirty="0" smtClean="0"/>
+          </a:p>
+          <a:p>
+            <a:r>
+              <a:rPr lang="zh-CN" altLang="en-US" sz="2500" dirty="0" smtClean="0"/>
               <a:t>处理好循环体</a:t>
             </a:r>
-            <a:endParaRPr lang="zh-CN" sz="2500" dirty="0"/>
-          </a:p>
-          <a:p>
-            <a:r>
-              <a:rPr lang="en-US" altLang="zh-CN" sz="2500" dirty="0"/>
+            <a:endParaRPr lang="zh-CN" sz="2500" dirty="0" smtClean="0"/>
+          </a:p>
+          <a:p>
+            <a:r>
+              <a:rPr lang="en-US" altLang="zh-CN" sz="2500" dirty="0" smtClean="0"/>
               <a:t> </a:t>
             </a:r>
             <a:r>
-              <a:rPr lang="zh-CN" altLang="en-US" sz="2500" dirty="0"/>
+              <a:rPr lang="zh-CN" altLang="en-US" sz="2500" dirty="0" smtClean="0"/>
               <a:t>用｛｝包裹循环体</a:t>
             </a:r>
-            <a:endParaRPr lang="zh-CN" sz="2500" dirty="0"/>
-          </a:p>
-          <a:p>
-            <a:r>
-              <a:rPr lang="en-US" altLang="zh-CN" sz="2500" dirty="0"/>
+            <a:endParaRPr lang="zh-CN" sz="2500" dirty="0" smtClean="0"/>
+          </a:p>
+          <a:p>
+            <a:r>
+              <a:rPr lang="en-US" altLang="zh-CN" sz="2500" dirty="0" smtClean="0"/>
               <a:t> </a:t>
             </a:r>
             <a:r>
-              <a:rPr lang="zh-CN" altLang="en-US" sz="2500" dirty="0"/>
+              <a:rPr lang="zh-CN" altLang="en-US" sz="2500" dirty="0" smtClean="0"/>
               <a:t>避免空循环</a:t>
             </a:r>
-            <a:endParaRPr lang="zh-CN" sz="2500" dirty="0"/>
-          </a:p>
-          <a:p>
-            <a:r>
-              <a:rPr lang="en-US" altLang="zh-CN" sz="2500" dirty="0"/>
+            <a:endParaRPr lang="zh-CN" sz="2500" dirty="0" smtClean="0"/>
+          </a:p>
+          <a:p>
+            <a:r>
+              <a:rPr lang="en-US" altLang="zh-CN" sz="2500" dirty="0" smtClean="0"/>
               <a:t> </a:t>
             </a:r>
             <a:r>
-              <a:rPr lang="zh-CN" altLang="en-US" sz="2500" dirty="0"/>
+              <a:rPr lang="zh-CN" altLang="en-US" sz="2500" dirty="0" smtClean="0"/>
               <a:t>一个循环只做一件事</a:t>
             </a:r>
-            <a:endParaRPr lang="zh-CN" sz="2500" dirty="0"/>
-          </a:p>
-          <a:p>
-            <a:r>
-              <a:rPr lang="zh-CN" altLang="en-US" sz="2500" dirty="0"/>
+            <a:endParaRPr lang="zh-CN" sz="2500" dirty="0" smtClean="0"/>
+          </a:p>
+          <a:p>
+            <a:r>
+              <a:rPr lang="zh-CN" altLang="en-US" sz="2500" dirty="0" smtClean="0"/>
               <a:t>退出循环</a:t>
             </a:r>
-            <a:endParaRPr lang="zh-CN" sz="2500" dirty="0"/>
+            <a:endParaRPr lang="zh-CN" sz="2500" dirty="0" smtClean="0"/>
           </a:p>
           <a:p>
             <a:endParaRPr lang="zh-CN" sz="2500" dirty="0"/>

--- a/flash.pptx
+++ b/flash.pptx
@@ -5,7 +5,7 @@
     <p:sldMasterId id="2147483660" r:id="rId1"/>
   </p:sldMasterIdLst>
   <p:notesMasterIdLst>
-    <p:notesMasterId r:id="rId12"/>
+    <p:notesMasterId r:id="rId13"/>
   </p:notesMasterIdLst>
   <p:sldIdLst>
     <p:sldId id="265" r:id="rId2"/>
@@ -18,6 +18,7 @@
     <p:sldId id="269" r:id="rId9"/>
     <p:sldId id="270" r:id="rId10"/>
     <p:sldId id="271" r:id="rId11"/>
+    <p:sldId id="275" r:id="rId12"/>
   </p:sldIdLst>
   <p:sldSz cx="9144000" cy="6858000" type="screen4x3"/>
   <p:notesSz cx="6858000" cy="9144000"/>
@@ -682,7 +683,7 @@
             <a:fld id="{E335F522-6256-461E-A79F-4037A6D0C8F9}" type="datetimeFigureOut">
               <a:rPr lang="zh-CN" altLang="en-US" smtClean="0"/>
               <a:pPr/>
-              <a:t>2017-02-25</a:t>
+              <a:t>2017-03-04</a:t>
             </a:fld>
             <a:endParaRPr lang="zh-CN" altLang="en-US"/>
           </a:p>
@@ -849,7 +850,7 @@
             <a:fld id="{E335F522-6256-461E-A79F-4037A6D0C8F9}" type="datetimeFigureOut">
               <a:rPr lang="zh-CN" altLang="en-US" smtClean="0"/>
               <a:pPr/>
-              <a:t>2017-02-25</a:t>
+              <a:t>2017-03-04</a:t>
             </a:fld>
             <a:endParaRPr lang="zh-CN" altLang="en-US"/>
           </a:p>
@@ -1026,7 +1027,7 @@
             <a:fld id="{E335F522-6256-461E-A79F-4037A6D0C8F9}" type="datetimeFigureOut">
               <a:rPr lang="zh-CN" altLang="en-US" smtClean="0"/>
               <a:pPr/>
-              <a:t>2017-02-25</a:t>
+              <a:t>2017-03-04</a:t>
             </a:fld>
             <a:endParaRPr lang="zh-CN" altLang="en-US"/>
           </a:p>
@@ -1193,7 +1194,7 @@
             <a:fld id="{E335F522-6256-461E-A79F-4037A6D0C8F9}" type="datetimeFigureOut">
               <a:rPr lang="zh-CN" altLang="en-US" smtClean="0"/>
               <a:pPr/>
-              <a:t>2017-02-25</a:t>
+              <a:t>2017-03-04</a:t>
             </a:fld>
             <a:endParaRPr lang="zh-CN" altLang="en-US"/>
           </a:p>
@@ -1434,7 +1435,7 @@
             <a:fld id="{E335F522-6256-461E-A79F-4037A6D0C8F9}" type="datetimeFigureOut">
               <a:rPr lang="zh-CN" altLang="en-US" smtClean="0"/>
               <a:pPr/>
-              <a:t>2017-02-25</a:t>
+              <a:t>2017-03-04</a:t>
             </a:fld>
             <a:endParaRPr lang="zh-CN" altLang="en-US"/>
           </a:p>
@@ -1663,7 +1664,7 @@
             <a:fld id="{E335F522-6256-461E-A79F-4037A6D0C8F9}" type="datetimeFigureOut">
               <a:rPr lang="zh-CN" altLang="en-US" smtClean="0"/>
               <a:pPr/>
-              <a:t>2017-02-25</a:t>
+              <a:t>2017-03-04</a:t>
             </a:fld>
             <a:endParaRPr lang="zh-CN" altLang="en-US"/>
           </a:p>
@@ -2027,7 +2028,7 @@
             <a:fld id="{E335F522-6256-461E-A79F-4037A6D0C8F9}" type="datetimeFigureOut">
               <a:rPr lang="zh-CN" altLang="en-US" smtClean="0"/>
               <a:pPr/>
-              <a:t>2017-02-25</a:t>
+              <a:t>2017-03-04</a:t>
             </a:fld>
             <a:endParaRPr lang="zh-CN" altLang="en-US"/>
           </a:p>
@@ -2142,7 +2143,7 @@
             <a:fld id="{E335F522-6256-461E-A79F-4037A6D0C8F9}" type="datetimeFigureOut">
               <a:rPr lang="zh-CN" altLang="en-US" smtClean="0"/>
               <a:pPr/>
-              <a:t>2017-02-25</a:t>
+              <a:t>2017-03-04</a:t>
             </a:fld>
             <a:endParaRPr lang="zh-CN" altLang="en-US"/>
           </a:p>
@@ -2234,7 +2235,7 @@
             <a:fld id="{E335F522-6256-461E-A79F-4037A6D0C8F9}" type="datetimeFigureOut">
               <a:rPr lang="zh-CN" altLang="en-US" smtClean="0"/>
               <a:pPr/>
-              <a:t>2017-02-25</a:t>
+              <a:t>2017-03-04</a:t>
             </a:fld>
             <a:endParaRPr lang="zh-CN" altLang="en-US"/>
           </a:p>
@@ -2508,7 +2509,7 @@
             <a:fld id="{E335F522-6256-461E-A79F-4037A6D0C8F9}" type="datetimeFigureOut">
               <a:rPr lang="zh-CN" altLang="en-US" smtClean="0"/>
               <a:pPr/>
-              <a:t>2017-02-25</a:t>
+              <a:t>2017-03-04</a:t>
             </a:fld>
             <a:endParaRPr lang="zh-CN" altLang="en-US"/>
           </a:p>
@@ -2762,7 +2763,7 @@
             <a:fld id="{E335F522-6256-461E-A79F-4037A6D0C8F9}" type="datetimeFigureOut">
               <a:rPr lang="zh-CN" altLang="en-US" smtClean="0"/>
               <a:pPr/>
-              <a:t>2017-02-25</a:t>
+              <a:t>2017-03-04</a:t>
             </a:fld>
             <a:endParaRPr lang="zh-CN" altLang="en-US"/>
           </a:p>
@@ -2972,7 +2973,7 @@
             <a:fld id="{E335F522-6256-461E-A79F-4037A6D0C8F9}" type="datetimeFigureOut">
               <a:rPr lang="zh-CN" altLang="en-US" smtClean="0"/>
               <a:pPr/>
-              <a:t>2017-02-25</a:t>
+              <a:t>2017-03-04</a:t>
             </a:fld>
             <a:endParaRPr lang="zh-CN" altLang="en-US"/>
           </a:p>
@@ -3511,11 +3512,7 @@
             </a:r>
             <a:r>
               <a:rPr lang="zh-CN" altLang="zh-CN" smtClean="0"/>
-              <a:t>的</a:t>
-            </a:r>
-            <a:r>
-              <a:rPr lang="zh-CN" altLang="zh-CN" smtClean="0"/>
-              <a:t>整数</a:t>
+              <a:t>的整数</a:t>
             </a:r>
             <a:r>
               <a:rPr lang="zh-CN" altLang="en-US" smtClean="0"/>
@@ -3588,6 +3585,105 @@
               <a:t>出现。</a:t>
             </a:r>
             <a:endParaRPr lang="zh-CN" dirty="0"/>
+          </a:p>
+        </p:txBody>
+      </p:sp>
+    </p:spTree>
+  </p:cSld>
+  <p:clrMapOvr>
+    <a:masterClrMapping/>
+  </p:clrMapOvr>
+</p:sld>
+</file>
+
+<file path=ppt/slides/slide11.xml><?xml version="1.0" encoding="utf-8"?>
+<p:sld xmlns:a="http://schemas.openxmlformats.org/drawingml/2006/main" xmlns:r="http://schemas.openxmlformats.org/officeDocument/2006/relationships" xmlns:p="http://schemas.openxmlformats.org/presentationml/2006/main">
+  <p:cSld>
+    <p:spTree>
+      <p:nvGrpSpPr>
+        <p:cNvPr id="1" name=""/>
+        <p:cNvGrpSpPr/>
+        <p:nvPr/>
+      </p:nvGrpSpPr>
+      <p:grpSpPr>
+        <a:xfrm>
+          <a:off x="0" y="0"/>
+          <a:ext cx="0" cy="0"/>
+          <a:chOff x="0" y="0"/>
+          <a:chExt cx="0" cy="0"/>
+        </a:xfrm>
+      </p:grpSpPr>
+      <p:sp>
+        <p:nvSpPr>
+          <p:cNvPr id="2" name="标题 1"/>
+          <p:cNvSpPr>
+            <a:spLocks noGrp="1"/>
+          </p:cNvSpPr>
+          <p:nvPr>
+            <p:ph type="title"/>
+          </p:nvPr>
+        </p:nvSpPr>
+        <p:spPr/>
+        <p:txBody>
+          <a:bodyPr/>
+          <a:lstStyle/>
+          <a:p>
+            <a:endParaRPr lang="zh-CN" altLang="en-US"/>
+          </a:p>
+        </p:txBody>
+      </p:sp>
+      <p:sp>
+        <p:nvSpPr>
+          <p:cNvPr id="3" name="内容占位符 2"/>
+          <p:cNvSpPr>
+            <a:spLocks noGrp="1"/>
+          </p:cNvSpPr>
+          <p:nvPr>
+            <p:ph idx="1"/>
+          </p:nvPr>
+        </p:nvSpPr>
+        <p:spPr/>
+        <p:txBody>
+          <a:bodyPr/>
+          <a:lstStyle/>
+          <a:p>
+            <a:r>
+              <a:rPr lang="zh-CN" altLang="en-US" dirty="0" smtClean="0"/>
+              <a:t>圆</a:t>
+            </a:r>
+            <a:r>
+              <a:rPr lang="zh-CN" altLang="en-US" dirty="0" smtClean="0"/>
+              <a:t>的周长：</a:t>
+            </a:r>
+            <a:r>
+              <a:rPr lang="el-GR" altLang="zh-CN" dirty="0" smtClean="0"/>
+              <a:t> </a:t>
+            </a:r>
+            <a:r>
+              <a:rPr lang="en-US" altLang="zh-CN" dirty="0" smtClean="0"/>
+              <a:t>l=</a:t>
+            </a:r>
+            <a:r>
+              <a:rPr lang="el-GR" altLang="zh-CN" dirty="0" smtClean="0"/>
+              <a:t>2</a:t>
+            </a:r>
+            <a:r>
+              <a:rPr lang="zh-CN" altLang="en-US" dirty="0" smtClean="0"/>
+              <a:t>*</a:t>
+            </a:r>
+            <a:r>
+              <a:rPr lang="el-GR" altLang="zh-CN" dirty="0" smtClean="0"/>
+              <a:t>π</a:t>
+            </a:r>
+            <a:r>
+              <a:rPr lang="zh-CN" altLang="en-US" smtClean="0"/>
+              <a:t>*</a:t>
+            </a:r>
+            <a:r>
+              <a:rPr lang="en-US" altLang="zh-CN" smtClean="0"/>
+              <a:t>R</a:t>
+            </a:r>
+            <a:endParaRPr lang="zh-CN" altLang="en-US" dirty="0"/>
           </a:p>
         </p:txBody>
       </p:sp>
@@ -3805,11 +3901,7 @@
             </a:r>
             <a:r>
               <a:rPr lang="en-US" altLang="zh-CN" dirty="0" smtClean="0"/>
-              <a:t>String, </a:t>
-            </a:r>
-            <a:r>
-              <a:rPr lang="en-US" altLang="zh-CN" dirty="0" smtClean="0"/>
-              <a:t>Boolean(</a:t>
+              <a:t>String, Boolean(</a:t>
             </a:r>
             <a:r>
               <a:rPr lang="en-US" altLang="zh-CN" dirty="0" err="1" smtClean="0"/>
@@ -3819,7 +3911,6 @@
               <a:rPr lang="en-US" altLang="zh-CN" dirty="0" smtClean="0"/>
               <a:t>);</a:t>
             </a:r>
-            <a:endParaRPr lang="en-US" altLang="zh-CN" dirty="0" smtClean="0"/>
           </a:p>
           <a:p>
             <a:r>
@@ -3897,11 +3988,7 @@
             </a:r>
             <a:r>
               <a:rPr lang="en-US" altLang="zh-CN" dirty="0" smtClean="0"/>
-              <a:t> </a:t>
-            </a:r>
-            <a:r>
-              <a:rPr lang="en-US" altLang="zh-CN" dirty="0" smtClean="0"/>
-              <a:t>= 7.5;</a:t>
+              <a:t> = 7.5;</a:t>
             </a:r>
           </a:p>
           <a:p>
@@ -3919,11 +4006,7 @@
             </a:r>
             <a:r>
               <a:rPr lang="en-US" altLang="zh-CN" dirty="0" smtClean="0"/>
-              <a:t> </a:t>
-            </a:r>
-            <a:r>
-              <a:rPr lang="en-US" altLang="zh-CN" dirty="0" smtClean="0"/>
-              <a:t>= “hello”;</a:t>
+              <a:t> = “hello”;</a:t>
             </a:r>
           </a:p>
           <a:p>
@@ -3941,11 +4024,7 @@
             </a:r>
             <a:r>
               <a:rPr lang="en-US" altLang="zh-CN" dirty="0" smtClean="0"/>
-              <a:t> </a:t>
-            </a:r>
-            <a:r>
-              <a:rPr lang="en-US" altLang="zh-CN" dirty="0" smtClean="0"/>
-              <a:t>= true;</a:t>
+              <a:t> = true;</a:t>
             </a:r>
           </a:p>
           <a:p>
@@ -4094,11 +4173,7 @@
           <a:p>
             <a:r>
               <a:rPr lang="en-US" altLang="zh-CN" dirty="0" smtClean="0"/>
-              <a:t> </a:t>
-            </a:r>
-            <a:r>
-              <a:rPr lang="en-US" altLang="zh-CN" dirty="0" smtClean="0"/>
-              <a:t>switch </a:t>
+              <a:t> switch </a:t>
             </a:r>
             <a:r>
               <a:rPr lang="zh-CN" altLang="en-US" dirty="0" smtClean="0"/>
